--- a/Hand-eye calibration 설명.pptx
+++ b/Hand-eye calibration 설명.pptx
@@ -4845,7 +4845,7 @@
         <p:spPr bwMode="auto">
           <a:xfrm>
             <a:off x="0" y="43934"/>
-            <a:ext cx="4240263" cy="369332"/>
+            <a:ext cx="2238113" cy="369332"/>
           </a:xfrm>
           <a:prstGeom prst="rect">
             <a:avLst/>
@@ -4870,22 +4870,14 @@
           <a:p>
             <a:r>
               <a:rPr lang="en-US" altLang="ko-KR" dirty="0" smtClean="0"/>
-              <a:t>4. </a:t>
-            </a:r>
-            <a:r>
-              <a:rPr lang="ko-KR" altLang="en-US" dirty="0" smtClean="0"/>
-              <a:t>회전변환 </a:t>
-            </a:r>
-            <a:r>
-              <a:rPr lang="en-US" altLang="ko-KR" dirty="0" smtClean="0"/>
-              <a:t>R</a:t>
-            </a:r>
-            <a:r>
-              <a:rPr lang="ko-KR" altLang="en-US" dirty="0" smtClean="0"/>
-              <a:t>의 원소 </a:t>
-            </a:r>
-            <a:r>
-              <a:rPr lang="en-US" altLang="ko-KR" dirty="0" smtClean="0"/>
+              <a:t>4</a:t>
+            </a:r>
+            <a:r>
+              <a:rPr lang="en-US" altLang="ko-KR" smtClean="0"/>
+              <a:t>. </a:t>
+            </a:r>
+            <a:r>
+              <a:rPr lang="en-US" altLang="ko-KR" smtClean="0"/>
               <a:t>u</a:t>
             </a:r>
             <a:r>
